--- a/PrestOutline.pptx
+++ b/PrestOutline.pptx
@@ -108,6 +108,11 @@
       </a:defRPr>
     </a:lvl9pPr>
   </p:defaultTextStyle>
+  <p:extLst>
+    <p:ext uri="{EFAFB233-063F-42B5-8137-9DF3F51BA10A}">
+      <p15:sldGuideLst xmlns:p15="http://schemas.microsoft.com/office/powerpoint/2012/main"/>
+    </p:ext>
+  </p:extLst>
 </p:presentation>
 </file>
 
@@ -258,7 +263,7 @@
           <a:p>
             <a:fld id="{9760D45A-2DD1-624C-A5C3-5455E3ABD25C}" type="datetimeFigureOut">
               <a:rPr lang="en-US" smtClean="0"/>
-              <a:t>8/10/18</a:t>
+              <a:t>8/13/18</a:t>
             </a:fld>
             <a:endParaRPr lang="en-US"/>
           </a:p>
@@ -456,7 +461,7 @@
           <a:p>
             <a:fld id="{9760D45A-2DD1-624C-A5C3-5455E3ABD25C}" type="datetimeFigureOut">
               <a:rPr lang="en-US" smtClean="0"/>
-              <a:t>8/10/18</a:t>
+              <a:t>8/13/18</a:t>
             </a:fld>
             <a:endParaRPr lang="en-US"/>
           </a:p>
@@ -664,7 +669,7 @@
           <a:p>
             <a:fld id="{9760D45A-2DD1-624C-A5C3-5455E3ABD25C}" type="datetimeFigureOut">
               <a:rPr lang="en-US" smtClean="0"/>
-              <a:t>8/10/18</a:t>
+              <a:t>8/13/18</a:t>
             </a:fld>
             <a:endParaRPr lang="en-US"/>
           </a:p>
@@ -862,7 +867,7 @@
           <a:p>
             <a:fld id="{9760D45A-2DD1-624C-A5C3-5455E3ABD25C}" type="datetimeFigureOut">
               <a:rPr lang="en-US" smtClean="0"/>
-              <a:t>8/10/18</a:t>
+              <a:t>8/13/18</a:t>
             </a:fld>
             <a:endParaRPr lang="en-US"/>
           </a:p>
@@ -1137,7 +1142,7 @@
           <a:p>
             <a:fld id="{9760D45A-2DD1-624C-A5C3-5455E3ABD25C}" type="datetimeFigureOut">
               <a:rPr lang="en-US" smtClean="0"/>
-              <a:t>8/10/18</a:t>
+              <a:t>8/13/18</a:t>
             </a:fld>
             <a:endParaRPr lang="en-US"/>
           </a:p>
@@ -1402,7 +1407,7 @@
           <a:p>
             <a:fld id="{9760D45A-2DD1-624C-A5C3-5455E3ABD25C}" type="datetimeFigureOut">
               <a:rPr lang="en-US" smtClean="0"/>
-              <a:t>8/10/18</a:t>
+              <a:t>8/13/18</a:t>
             </a:fld>
             <a:endParaRPr lang="en-US"/>
           </a:p>
@@ -1814,7 +1819,7 @@
           <a:p>
             <a:fld id="{9760D45A-2DD1-624C-A5C3-5455E3ABD25C}" type="datetimeFigureOut">
               <a:rPr lang="en-US" smtClean="0"/>
-              <a:t>8/10/18</a:t>
+              <a:t>8/13/18</a:t>
             </a:fld>
             <a:endParaRPr lang="en-US"/>
           </a:p>
@@ -1955,7 +1960,7 @@
           <a:p>
             <a:fld id="{9760D45A-2DD1-624C-A5C3-5455E3ABD25C}" type="datetimeFigureOut">
               <a:rPr lang="en-US" smtClean="0"/>
-              <a:t>8/10/18</a:t>
+              <a:t>8/13/18</a:t>
             </a:fld>
             <a:endParaRPr lang="en-US"/>
           </a:p>
@@ -2068,7 +2073,7 @@
           <a:p>
             <a:fld id="{9760D45A-2DD1-624C-A5C3-5455E3ABD25C}" type="datetimeFigureOut">
               <a:rPr lang="en-US" smtClean="0"/>
-              <a:t>8/10/18</a:t>
+              <a:t>8/13/18</a:t>
             </a:fld>
             <a:endParaRPr lang="en-US"/>
           </a:p>
@@ -2379,7 +2384,7 @@
           <a:p>
             <a:fld id="{9760D45A-2DD1-624C-A5C3-5455E3ABD25C}" type="datetimeFigureOut">
               <a:rPr lang="en-US" smtClean="0"/>
-              <a:t>8/10/18</a:t>
+              <a:t>8/13/18</a:t>
             </a:fld>
             <a:endParaRPr lang="en-US"/>
           </a:p>
@@ -2667,7 +2672,7 @@
           <a:p>
             <a:fld id="{9760D45A-2DD1-624C-A5C3-5455E3ABD25C}" type="datetimeFigureOut">
               <a:rPr lang="en-US" smtClean="0"/>
-              <a:t>8/10/18</a:t>
+              <a:t>8/13/18</a:t>
             </a:fld>
             <a:endParaRPr lang="en-US"/>
           </a:p>
@@ -2908,7 +2913,7 @@
           <a:p>
             <a:fld id="{9760D45A-2DD1-624C-A5C3-5455E3ABD25C}" type="datetimeFigureOut">
               <a:rPr lang="en-US" smtClean="0"/>
-              <a:t>8/10/18</a:t>
+              <a:t>8/13/18</a:t>
             </a:fld>
             <a:endParaRPr lang="en-US"/>
           </a:p>
@@ -3376,13 +3381,8 @@
           <a:p>
             <a:r>
               <a:rPr lang="en-US" dirty="0"/>
-              <a:t>Date Night helper for </a:t>
-            </a:r>
-            <a:r>
-              <a:rPr lang="en-US"/>
-              <a:t>Veggie Friendly</a:t>
-            </a:r>
-            <a:endParaRPr lang="en-US" dirty="0"/>
+              <a:t>Date Night helper: Veggie Friendly</a:t>
+            </a:r>
           </a:p>
         </p:txBody>
       </p:sp>
@@ -3687,7 +3687,7 @@
           <a:p>
             <a:r>
               <a:rPr lang="en-US" dirty="0"/>
-              <a:t>MM rows</a:t>
+              <a:t>MM rows (5-US cuisines 1.1MM rows)</a:t>
             </a:r>
           </a:p>
         </p:txBody>
@@ -3773,7 +3773,13 @@
           <a:p>
             <a:r>
               <a:rPr lang="en-US" dirty="0"/>
-              <a:t>RF</a:t>
+              <a:t>Naïve Bayes</a:t>
+            </a:r>
+          </a:p>
+          <a:p>
+            <a:r>
+              <a:rPr lang="en-US" dirty="0"/>
+              <a:t>RF – cannot pickle</a:t>
             </a:r>
           </a:p>
           <a:p>
@@ -3782,12 +3788,6 @@
               <a:t>Kmeans</a:t>
             </a:r>
             <a:endParaRPr lang="en-US" dirty="0"/>
-          </a:p>
-          <a:p>
-            <a:r>
-              <a:rPr lang="en-US" dirty="0"/>
-              <a:t>Naïve Bayes</a:t>
-            </a:r>
           </a:p>
         </p:txBody>
       </p:sp>
@@ -3884,6 +3884,36 @@
           </a:p>
         </p:txBody>
       </p:sp>
+      <p:pic>
+        <p:nvPicPr>
+          <p:cNvPr id="5" name="Picture 4">
+            <a:extLst>
+              <a:ext uri="{FF2B5EF4-FFF2-40B4-BE49-F238E27FC236}">
+                <a16:creationId xmlns:a16="http://schemas.microsoft.com/office/drawing/2014/main" id="{A4BCDAF6-7374-DF4F-BFE5-5C4DD88A0A6D}"/>
+              </a:ext>
+            </a:extLst>
+          </p:cNvPr>
+          <p:cNvPicPr>
+            <a:picLocks noChangeAspect="1"/>
+          </p:cNvPicPr>
+          <p:nvPr/>
+        </p:nvPicPr>
+        <p:blipFill>
+          <a:blip r:embed="rId2"/>
+          <a:stretch>
+            <a:fillRect/>
+          </a:stretch>
+        </p:blipFill>
+        <p:spPr>
+          <a:xfrm>
+            <a:off x="4181011" y="132557"/>
+            <a:ext cx="7649483" cy="6374569"/>
+          </a:xfrm>
+          <a:prstGeom prst="rect">
+            <a:avLst/>
+          </a:prstGeom>
+        </p:spPr>
+      </p:pic>
     </p:spTree>
     <p:extLst>
       <p:ext uri="{BB962C8B-B14F-4D97-AF65-F5344CB8AC3E}">

--- a/PrestOutline.pptx
+++ b/PrestOutline.pptx
@@ -6,10 +6,13 @@
   </p:sldMasterIdLst>
   <p:sldIdLst>
     <p:sldId id="256" r:id="rId2"/>
-    <p:sldId id="257" r:id="rId3"/>
-    <p:sldId id="260" r:id="rId4"/>
-    <p:sldId id="258" r:id="rId5"/>
-    <p:sldId id="259" r:id="rId6"/>
+    <p:sldId id="261" r:id="rId3"/>
+    <p:sldId id="257" r:id="rId4"/>
+    <p:sldId id="260" r:id="rId5"/>
+    <p:sldId id="258" r:id="rId6"/>
+    <p:sldId id="259" r:id="rId7"/>
+    <p:sldId id="262" r:id="rId8"/>
+    <p:sldId id="263" r:id="rId9"/>
   </p:sldIdLst>
   <p:sldSz cx="12192000" cy="6858000"/>
   <p:notesSz cx="6858000" cy="9144000"/>
@@ -263,7 +266,7 @@
           <a:p>
             <a:fld id="{9760D45A-2DD1-624C-A5C3-5455E3ABD25C}" type="datetimeFigureOut">
               <a:rPr lang="en-US" smtClean="0"/>
-              <a:t>8/13/18</a:t>
+              <a:t>8/14/18</a:t>
             </a:fld>
             <a:endParaRPr lang="en-US"/>
           </a:p>
@@ -461,7 +464,7 @@
           <a:p>
             <a:fld id="{9760D45A-2DD1-624C-A5C3-5455E3ABD25C}" type="datetimeFigureOut">
               <a:rPr lang="en-US" smtClean="0"/>
-              <a:t>8/13/18</a:t>
+              <a:t>8/14/18</a:t>
             </a:fld>
             <a:endParaRPr lang="en-US"/>
           </a:p>
@@ -669,7 +672,7 @@
           <a:p>
             <a:fld id="{9760D45A-2DD1-624C-A5C3-5455E3ABD25C}" type="datetimeFigureOut">
               <a:rPr lang="en-US" smtClean="0"/>
-              <a:t>8/13/18</a:t>
+              <a:t>8/14/18</a:t>
             </a:fld>
             <a:endParaRPr lang="en-US"/>
           </a:p>
@@ -867,7 +870,7 @@
           <a:p>
             <a:fld id="{9760D45A-2DD1-624C-A5C3-5455E3ABD25C}" type="datetimeFigureOut">
               <a:rPr lang="en-US" smtClean="0"/>
-              <a:t>8/13/18</a:t>
+              <a:t>8/14/18</a:t>
             </a:fld>
             <a:endParaRPr lang="en-US"/>
           </a:p>
@@ -1142,7 +1145,7 @@
           <a:p>
             <a:fld id="{9760D45A-2DD1-624C-A5C3-5455E3ABD25C}" type="datetimeFigureOut">
               <a:rPr lang="en-US" smtClean="0"/>
-              <a:t>8/13/18</a:t>
+              <a:t>8/14/18</a:t>
             </a:fld>
             <a:endParaRPr lang="en-US"/>
           </a:p>
@@ -1407,7 +1410,7 @@
           <a:p>
             <a:fld id="{9760D45A-2DD1-624C-A5C3-5455E3ABD25C}" type="datetimeFigureOut">
               <a:rPr lang="en-US" smtClean="0"/>
-              <a:t>8/13/18</a:t>
+              <a:t>8/14/18</a:t>
             </a:fld>
             <a:endParaRPr lang="en-US"/>
           </a:p>
@@ -1819,7 +1822,7 @@
           <a:p>
             <a:fld id="{9760D45A-2DD1-624C-A5C3-5455E3ABD25C}" type="datetimeFigureOut">
               <a:rPr lang="en-US" smtClean="0"/>
-              <a:t>8/13/18</a:t>
+              <a:t>8/14/18</a:t>
             </a:fld>
             <a:endParaRPr lang="en-US"/>
           </a:p>
@@ -1960,7 +1963,7 @@
           <a:p>
             <a:fld id="{9760D45A-2DD1-624C-A5C3-5455E3ABD25C}" type="datetimeFigureOut">
               <a:rPr lang="en-US" smtClean="0"/>
-              <a:t>8/13/18</a:t>
+              <a:t>8/14/18</a:t>
             </a:fld>
             <a:endParaRPr lang="en-US"/>
           </a:p>
@@ -2073,7 +2076,7 @@
           <a:p>
             <a:fld id="{9760D45A-2DD1-624C-A5C3-5455E3ABD25C}" type="datetimeFigureOut">
               <a:rPr lang="en-US" smtClean="0"/>
-              <a:t>8/13/18</a:t>
+              <a:t>8/14/18</a:t>
             </a:fld>
             <a:endParaRPr lang="en-US"/>
           </a:p>
@@ -2384,7 +2387,7 @@
           <a:p>
             <a:fld id="{9760D45A-2DD1-624C-A5C3-5455E3ABD25C}" type="datetimeFigureOut">
               <a:rPr lang="en-US" smtClean="0"/>
-              <a:t>8/13/18</a:t>
+              <a:t>8/14/18</a:t>
             </a:fld>
             <a:endParaRPr lang="en-US"/>
           </a:p>
@@ -2672,7 +2675,7 @@
           <a:p>
             <a:fld id="{9760D45A-2DD1-624C-A5C3-5455E3ABD25C}" type="datetimeFigureOut">
               <a:rPr lang="en-US" smtClean="0"/>
-              <a:t>8/13/18</a:t>
+              <a:t>8/14/18</a:t>
             </a:fld>
             <a:endParaRPr lang="en-US"/>
           </a:p>
@@ -2913,7 +2916,7 @@
           <a:p>
             <a:fld id="{9760D45A-2DD1-624C-A5C3-5455E3ABD25C}" type="datetimeFigureOut">
               <a:rPr lang="en-US" smtClean="0"/>
-              <a:t>8/13/18</a:t>
+              <a:t>8/14/18</a:t>
             </a:fld>
             <a:endParaRPr lang="en-US"/>
           </a:p>
@@ -3352,8 +3355,20 @@
           <a:lstStyle/>
           <a:p>
             <a:r>
+              <a:rPr lang="en-US" dirty="0" err="1"/>
+              <a:t>Ve</a:t>
+            </a:r>
+            <a:r>
               <a:rPr lang="en-US" dirty="0"/>
-              <a:t>Dine with me?</a:t>
+              <a:t>-Can or </a:t>
+            </a:r>
+            <a:r>
+              <a:rPr lang="en-US" dirty="0" err="1"/>
+              <a:t>Ve</a:t>
+            </a:r>
+            <a:r>
+              <a:rPr lang="en-US" dirty="0"/>
+              <a:t>-Can’t</a:t>
             </a:r>
           </a:p>
         </p:txBody>
@@ -3381,7 +3396,7 @@
           <a:p>
             <a:r>
               <a:rPr lang="en-US" dirty="0"/>
-              <a:t>Date Night helper: Veggie Friendly</a:t>
+              <a:t>Restaurant finder: Vegan/Vegetarian Friendly</a:t>
             </a:r>
           </a:p>
         </p:txBody>
@@ -3416,132 +3431,12 @@
           <a:chExt cx="0" cy="0"/>
         </a:xfrm>
       </p:grpSpPr>
-      <p:pic>
-        <p:nvPicPr>
-          <p:cNvPr id="7" name="Picture 6">
-            <a:extLst>
-              <a:ext uri="{FF2B5EF4-FFF2-40B4-BE49-F238E27FC236}">
-                <a16:creationId xmlns:a16="http://schemas.microsoft.com/office/drawing/2014/main" id="{E1920FBB-F9DB-394C-875A-223474ABFAA3}"/>
-              </a:ext>
-            </a:extLst>
-          </p:cNvPr>
-          <p:cNvPicPr>
-            <a:picLocks noChangeAspect="1"/>
-          </p:cNvPicPr>
-          <p:nvPr/>
-        </p:nvPicPr>
-        <p:blipFill>
-          <a:blip r:embed="rId2"/>
-          <a:stretch>
-            <a:fillRect/>
-          </a:stretch>
-        </p:blipFill>
-        <p:spPr>
-          <a:xfrm>
-            <a:off x="3301302" y="0"/>
-            <a:ext cx="5589396" cy="6858000"/>
-          </a:xfrm>
-          <a:prstGeom prst="rect">
-            <a:avLst/>
-          </a:prstGeom>
-        </p:spPr>
-      </p:pic>
-      <p:pic>
-        <p:nvPicPr>
-          <p:cNvPr id="4" name="Picture 3">
-            <a:extLst>
-              <a:ext uri="{FF2B5EF4-FFF2-40B4-BE49-F238E27FC236}">
-                <a16:creationId xmlns:a16="http://schemas.microsoft.com/office/drawing/2014/main" id="{08A24A0D-B43F-3548-AB66-62AF5AE2B0BF}"/>
-              </a:ext>
-            </a:extLst>
-          </p:cNvPr>
-          <p:cNvPicPr>
-            <a:picLocks noChangeAspect="1"/>
-          </p:cNvPicPr>
-          <p:nvPr/>
-        </p:nvPicPr>
-        <p:blipFill>
-          <a:blip r:embed="rId3"/>
-          <a:stretch>
-            <a:fillRect/>
-          </a:stretch>
-        </p:blipFill>
-        <p:spPr>
-          <a:xfrm>
-            <a:off x="8662921" y="365125"/>
-            <a:ext cx="2295592" cy="3253506"/>
-          </a:xfrm>
-          <a:prstGeom prst="rect">
-            <a:avLst/>
-          </a:prstGeom>
-        </p:spPr>
-      </p:pic>
-      <p:pic>
-        <p:nvPicPr>
-          <p:cNvPr id="5" name="Picture 4">
-            <a:extLst>
-              <a:ext uri="{FF2B5EF4-FFF2-40B4-BE49-F238E27FC236}">
-                <a16:creationId xmlns:a16="http://schemas.microsoft.com/office/drawing/2014/main" id="{9EDF3274-EFC9-9E43-9CD1-7975ED194CAA}"/>
-              </a:ext>
-            </a:extLst>
-          </p:cNvPr>
-          <p:cNvPicPr>
-            <a:picLocks noChangeAspect="1"/>
-          </p:cNvPicPr>
-          <p:nvPr/>
-        </p:nvPicPr>
-        <p:blipFill>
-          <a:blip r:embed="rId4"/>
-          <a:stretch>
-            <a:fillRect/>
-          </a:stretch>
-        </p:blipFill>
-        <p:spPr>
-          <a:xfrm>
-            <a:off x="5609015" y="1571548"/>
-            <a:ext cx="3281683" cy="4086225"/>
-          </a:xfrm>
-          <a:prstGeom prst="rect">
-            <a:avLst/>
-          </a:prstGeom>
-        </p:spPr>
-      </p:pic>
-      <p:pic>
-        <p:nvPicPr>
-          <p:cNvPr id="6" name="Picture 5">
-            <a:extLst>
-              <a:ext uri="{FF2B5EF4-FFF2-40B4-BE49-F238E27FC236}">
-                <a16:creationId xmlns:a16="http://schemas.microsoft.com/office/drawing/2014/main" id="{D848719A-1A9A-9845-936D-01E315A9FECC}"/>
-              </a:ext>
-            </a:extLst>
-          </p:cNvPr>
-          <p:cNvPicPr>
-            <a:picLocks noChangeAspect="1"/>
-          </p:cNvPicPr>
-          <p:nvPr/>
-        </p:nvPicPr>
-        <p:blipFill>
-          <a:blip r:embed="rId5"/>
-          <a:stretch>
-            <a:fillRect/>
-          </a:stretch>
-        </p:blipFill>
-        <p:spPr>
-          <a:xfrm>
-            <a:off x="41932" y="1248171"/>
-            <a:ext cx="2522219" cy="3047206"/>
-          </a:xfrm>
-          <a:prstGeom prst="rect">
-            <a:avLst/>
-          </a:prstGeom>
-        </p:spPr>
-      </p:pic>
       <p:sp>
         <p:nvSpPr>
           <p:cNvPr id="2" name="Title 1">
             <a:extLst>
               <a:ext uri="{FF2B5EF4-FFF2-40B4-BE49-F238E27FC236}">
-                <a16:creationId xmlns:a16="http://schemas.microsoft.com/office/drawing/2014/main" id="{83F53EF5-A58C-B54B-BF0C-0EA4C4DD12AA}"/>
+                <a16:creationId xmlns:a16="http://schemas.microsoft.com/office/drawing/2014/main" id="{250EE16E-00CA-6E41-A522-3B4ADD65506F}"/>
               </a:ext>
             </a:extLst>
           </p:cNvPr>
@@ -3558,12 +3453,8 @@
           <a:lstStyle/>
           <a:p>
             <a:r>
-              <a:rPr lang="en-US" b="1" dirty="0">
-                <a:highlight>
-                  <a:srgbClr val="C0C0C0"/>
-                </a:highlight>
-              </a:rPr>
-              <a:t>Dinner?: Yes Please</a:t>
+              <a:rPr lang="en-US" dirty="0"/>
+              <a:t>Challenge</a:t>
             </a:r>
           </a:p>
         </p:txBody>
@@ -3573,7 +3464,7 @@
           <p:cNvPr id="3" name="Content Placeholder 2">
             <a:extLst>
               <a:ext uri="{FF2B5EF4-FFF2-40B4-BE49-F238E27FC236}">
-                <a16:creationId xmlns:a16="http://schemas.microsoft.com/office/drawing/2014/main" id="{57115087-063F-B443-ADDF-153AAB13FCF4}"/>
+                <a16:creationId xmlns:a16="http://schemas.microsoft.com/office/drawing/2014/main" id="{61CA591E-18A7-D146-8B59-EA9179457701}"/>
               </a:ext>
             </a:extLst>
           </p:cNvPr>
@@ -3590,12 +3481,15 @@
           <a:lstStyle/>
           <a:p>
             <a:r>
-              <a:rPr lang="en-US" b="1" dirty="0">
-                <a:highlight>
-                  <a:srgbClr val="C0C0C0"/>
-                </a:highlight>
-              </a:rPr>
-              <a:t>Endless restaurant review search</a:t>
+              <a:rPr lang="en-US" dirty="0"/>
+              <a:t>Using Yelp restaurant review data</a:t>
+            </a:r>
+          </a:p>
+          <a:p>
+            <a:pPr lvl="1"/>
+            <a:r>
+              <a:rPr lang="en-US" dirty="0"/>
+              <a:t>Can we find Vegan/Vegetarian friendly dinning options</a:t>
             </a:r>
           </a:p>
         </p:txBody>
@@ -3603,7 +3497,7 @@
     </p:spTree>
     <p:extLst>
       <p:ext uri="{BB962C8B-B14F-4D97-AF65-F5344CB8AC3E}">
-        <p14:creationId xmlns:p14="http://schemas.microsoft.com/office/powerpoint/2010/main" val="4148287830"/>
+        <p14:creationId xmlns:p14="http://schemas.microsoft.com/office/powerpoint/2010/main" val="4263538009"/>
       </p:ext>
     </p:extLst>
   </p:cSld>
@@ -3630,12 +3524,132 @@
           <a:chExt cx="0" cy="0"/>
         </a:xfrm>
       </p:grpSpPr>
+      <p:pic>
+        <p:nvPicPr>
+          <p:cNvPr id="7" name="Picture 6">
+            <a:extLst>
+              <a:ext uri="{FF2B5EF4-FFF2-40B4-BE49-F238E27FC236}">
+                <a16:creationId xmlns:a16="http://schemas.microsoft.com/office/drawing/2014/main" id="{E1920FBB-F9DB-394C-875A-223474ABFAA3}"/>
+              </a:ext>
+            </a:extLst>
+          </p:cNvPr>
+          <p:cNvPicPr>
+            <a:picLocks noChangeAspect="1"/>
+          </p:cNvPicPr>
+          <p:nvPr/>
+        </p:nvPicPr>
+        <p:blipFill>
+          <a:blip r:embed="rId2"/>
+          <a:stretch>
+            <a:fillRect/>
+          </a:stretch>
+        </p:blipFill>
+        <p:spPr>
+          <a:xfrm>
+            <a:off x="3301302" y="0"/>
+            <a:ext cx="5589396" cy="6858000"/>
+          </a:xfrm>
+          <a:prstGeom prst="rect">
+            <a:avLst/>
+          </a:prstGeom>
+        </p:spPr>
+      </p:pic>
+      <p:pic>
+        <p:nvPicPr>
+          <p:cNvPr id="4" name="Picture 3">
+            <a:extLst>
+              <a:ext uri="{FF2B5EF4-FFF2-40B4-BE49-F238E27FC236}">
+                <a16:creationId xmlns:a16="http://schemas.microsoft.com/office/drawing/2014/main" id="{08A24A0D-B43F-3548-AB66-62AF5AE2B0BF}"/>
+              </a:ext>
+            </a:extLst>
+          </p:cNvPr>
+          <p:cNvPicPr>
+            <a:picLocks noChangeAspect="1"/>
+          </p:cNvPicPr>
+          <p:nvPr/>
+        </p:nvPicPr>
+        <p:blipFill>
+          <a:blip r:embed="rId3"/>
+          <a:stretch>
+            <a:fillRect/>
+          </a:stretch>
+        </p:blipFill>
+        <p:spPr>
+          <a:xfrm>
+            <a:off x="8662921" y="365125"/>
+            <a:ext cx="2295592" cy="3253506"/>
+          </a:xfrm>
+          <a:prstGeom prst="rect">
+            <a:avLst/>
+          </a:prstGeom>
+        </p:spPr>
+      </p:pic>
+      <p:pic>
+        <p:nvPicPr>
+          <p:cNvPr id="5" name="Picture 4">
+            <a:extLst>
+              <a:ext uri="{FF2B5EF4-FFF2-40B4-BE49-F238E27FC236}">
+                <a16:creationId xmlns:a16="http://schemas.microsoft.com/office/drawing/2014/main" id="{9EDF3274-EFC9-9E43-9CD1-7975ED194CAA}"/>
+              </a:ext>
+            </a:extLst>
+          </p:cNvPr>
+          <p:cNvPicPr>
+            <a:picLocks noChangeAspect="1"/>
+          </p:cNvPicPr>
+          <p:nvPr/>
+        </p:nvPicPr>
+        <p:blipFill>
+          <a:blip r:embed="rId4"/>
+          <a:stretch>
+            <a:fillRect/>
+          </a:stretch>
+        </p:blipFill>
+        <p:spPr>
+          <a:xfrm>
+            <a:off x="5609015" y="1571548"/>
+            <a:ext cx="3281683" cy="4086225"/>
+          </a:xfrm>
+          <a:prstGeom prst="rect">
+            <a:avLst/>
+          </a:prstGeom>
+        </p:spPr>
+      </p:pic>
+      <p:pic>
+        <p:nvPicPr>
+          <p:cNvPr id="6" name="Picture 5">
+            <a:extLst>
+              <a:ext uri="{FF2B5EF4-FFF2-40B4-BE49-F238E27FC236}">
+                <a16:creationId xmlns:a16="http://schemas.microsoft.com/office/drawing/2014/main" id="{D848719A-1A9A-9845-936D-01E315A9FECC}"/>
+              </a:ext>
+            </a:extLst>
+          </p:cNvPr>
+          <p:cNvPicPr>
+            <a:picLocks noChangeAspect="1"/>
+          </p:cNvPicPr>
+          <p:nvPr/>
+        </p:nvPicPr>
+        <p:blipFill>
+          <a:blip r:embed="rId5"/>
+          <a:stretch>
+            <a:fillRect/>
+          </a:stretch>
+        </p:blipFill>
+        <p:spPr>
+          <a:xfrm>
+            <a:off x="41932" y="1248171"/>
+            <a:ext cx="2522219" cy="3047206"/>
+          </a:xfrm>
+          <a:prstGeom prst="rect">
+            <a:avLst/>
+          </a:prstGeom>
+        </p:spPr>
+      </p:pic>
       <p:sp>
         <p:nvSpPr>
           <p:cNvPr id="2" name="Title 1">
             <a:extLst>
               <a:ext uri="{FF2B5EF4-FFF2-40B4-BE49-F238E27FC236}">
-                <a16:creationId xmlns:a16="http://schemas.microsoft.com/office/drawing/2014/main" id="{250EE16E-00CA-6E41-A522-3B4ADD65506F}"/>
+                <a16:creationId xmlns:a16="http://schemas.microsoft.com/office/drawing/2014/main" id="{83F53EF5-A58C-B54B-BF0C-0EA4C4DD12AA}"/>
               </a:ext>
             </a:extLst>
           </p:cNvPr>
@@ -3652,8 +3666,12 @@
           <a:lstStyle/>
           <a:p>
             <a:r>
-              <a:rPr lang="en-US" dirty="0"/>
-              <a:t>Data</a:t>
+              <a:rPr lang="en-US" b="1" dirty="0">
+                <a:highlight>
+                  <a:srgbClr val="C0C0C0"/>
+                </a:highlight>
+              </a:rPr>
+              <a:t>What’s for dinner?</a:t>
             </a:r>
           </a:p>
         </p:txBody>
@@ -3663,7 +3681,7 @@
           <p:cNvPr id="3" name="Content Placeholder 2">
             <a:extLst>
               <a:ext uri="{FF2B5EF4-FFF2-40B4-BE49-F238E27FC236}">
-                <a16:creationId xmlns:a16="http://schemas.microsoft.com/office/drawing/2014/main" id="{61CA591E-18A7-D146-8B59-EA9179457701}"/>
+                <a16:creationId xmlns:a16="http://schemas.microsoft.com/office/drawing/2014/main" id="{57115087-063F-B443-ADDF-153AAB13FCF4}"/>
               </a:ext>
             </a:extLst>
           </p:cNvPr>
@@ -3680,14 +3698,12 @@
           <a:lstStyle/>
           <a:p>
             <a:r>
-              <a:rPr lang="en-US" dirty="0"/>
-              <a:t>Yelp Challenge Data Set</a:t>
-            </a:r>
-          </a:p>
-          <a:p>
-            <a:r>
-              <a:rPr lang="en-US" dirty="0"/>
-              <a:t>MM rows (5-US cuisines 1.1MM rows)</a:t>
+              <a:rPr lang="en-US" b="1" dirty="0">
+                <a:highlight>
+                  <a:srgbClr val="C0C0C0"/>
+                </a:highlight>
+              </a:rPr>
+              <a:t>Commence the endless search through restaurant reviews</a:t>
             </a:r>
           </a:p>
         </p:txBody>
@@ -3695,7 +3711,7 @@
     </p:spTree>
     <p:extLst>
       <p:ext uri="{BB962C8B-B14F-4D97-AF65-F5344CB8AC3E}">
-        <p14:creationId xmlns:p14="http://schemas.microsoft.com/office/powerpoint/2010/main" val="3838109401"/>
+        <p14:creationId xmlns:p14="http://schemas.microsoft.com/office/powerpoint/2010/main" val="4148287830"/>
       </p:ext>
     </p:extLst>
   </p:cSld>
@@ -3727,7 +3743,7 @@
           <p:cNvPr id="2" name="Title 1">
             <a:extLst>
               <a:ext uri="{FF2B5EF4-FFF2-40B4-BE49-F238E27FC236}">
-                <a16:creationId xmlns:a16="http://schemas.microsoft.com/office/drawing/2014/main" id="{75A1FF50-EC58-AC4E-AE96-F771CF256C66}"/>
+                <a16:creationId xmlns:a16="http://schemas.microsoft.com/office/drawing/2014/main" id="{250EE16E-00CA-6E41-A522-3B4ADD65506F}"/>
               </a:ext>
             </a:extLst>
           </p:cNvPr>
@@ -3745,7 +3761,7 @@
           <a:p>
             <a:r>
               <a:rPr lang="en-US" dirty="0"/>
-              <a:t>Models</a:t>
+              <a:t>Data</a:t>
             </a:r>
           </a:p>
         </p:txBody>
@@ -3755,7 +3771,7 @@
           <p:cNvPr id="3" name="Content Placeholder 2">
             <a:extLst>
               <a:ext uri="{FF2B5EF4-FFF2-40B4-BE49-F238E27FC236}">
-                <a16:creationId xmlns:a16="http://schemas.microsoft.com/office/drawing/2014/main" id="{54617620-1758-EE4D-9A1D-CC0BC9E9D565}"/>
+                <a16:creationId xmlns:a16="http://schemas.microsoft.com/office/drawing/2014/main" id="{61CA591E-18A7-D146-8B59-EA9179457701}"/>
               </a:ext>
             </a:extLst>
           </p:cNvPr>
@@ -3773,28 +3789,21 @@
           <a:p>
             <a:r>
               <a:rPr lang="en-US" dirty="0"/>
-              <a:t>Naïve Bayes</a:t>
+              <a:t>Yelp Challenge Data Set</a:t>
             </a:r>
           </a:p>
           <a:p>
             <a:r>
               <a:rPr lang="en-US" dirty="0"/>
-              <a:t>RF – cannot pickle</a:t>
-            </a:r>
-          </a:p>
-          <a:p>
-            <a:r>
-              <a:rPr lang="en-US" dirty="0" err="1"/>
-              <a:t>Kmeans</a:t>
-            </a:r>
-            <a:endParaRPr lang="en-US" dirty="0"/>
+              <a:t>MM rows (5-US cuisines 1.1MM rows)</a:t>
+            </a:r>
           </a:p>
         </p:txBody>
       </p:sp>
     </p:spTree>
     <p:extLst>
       <p:ext uri="{BB962C8B-B14F-4D97-AF65-F5344CB8AC3E}">
-        <p14:creationId xmlns:p14="http://schemas.microsoft.com/office/powerpoint/2010/main" val="3618326941"/>
+        <p14:creationId xmlns:p14="http://schemas.microsoft.com/office/powerpoint/2010/main" val="3838109401"/>
       </p:ext>
     </p:extLst>
   </p:cSld>
@@ -3826,6 +3835,105 @@
           <p:cNvPr id="2" name="Title 1">
             <a:extLst>
               <a:ext uri="{FF2B5EF4-FFF2-40B4-BE49-F238E27FC236}">
+                <a16:creationId xmlns:a16="http://schemas.microsoft.com/office/drawing/2014/main" id="{75A1FF50-EC58-AC4E-AE96-F771CF256C66}"/>
+              </a:ext>
+            </a:extLst>
+          </p:cNvPr>
+          <p:cNvSpPr>
+            <a:spLocks noGrp="1"/>
+          </p:cNvSpPr>
+          <p:nvPr>
+            <p:ph type="title"/>
+          </p:nvPr>
+        </p:nvSpPr>
+        <p:spPr/>
+        <p:txBody>
+          <a:bodyPr/>
+          <a:lstStyle/>
+          <a:p>
+            <a:r>
+              <a:rPr lang="en-US" dirty="0"/>
+              <a:t>Models</a:t>
+            </a:r>
+          </a:p>
+        </p:txBody>
+      </p:sp>
+      <p:sp>
+        <p:nvSpPr>
+          <p:cNvPr id="3" name="Content Placeholder 2">
+            <a:extLst>
+              <a:ext uri="{FF2B5EF4-FFF2-40B4-BE49-F238E27FC236}">
+                <a16:creationId xmlns:a16="http://schemas.microsoft.com/office/drawing/2014/main" id="{54617620-1758-EE4D-9A1D-CC0BC9E9D565}"/>
+              </a:ext>
+            </a:extLst>
+          </p:cNvPr>
+          <p:cNvSpPr>
+            <a:spLocks noGrp="1"/>
+          </p:cNvSpPr>
+          <p:nvPr>
+            <p:ph idx="1"/>
+          </p:nvPr>
+        </p:nvSpPr>
+        <p:spPr/>
+        <p:txBody>
+          <a:bodyPr/>
+          <a:lstStyle/>
+          <a:p>
+            <a:r>
+              <a:rPr lang="en-US" dirty="0"/>
+              <a:t>Naïve Bayes</a:t>
+            </a:r>
+          </a:p>
+          <a:p>
+            <a:r>
+              <a:rPr lang="en-US" dirty="0"/>
+              <a:t>RF – cannot pickle</a:t>
+            </a:r>
+          </a:p>
+          <a:p>
+            <a:r>
+              <a:rPr lang="en-US" dirty="0" err="1"/>
+              <a:t>Kmeans</a:t>
+            </a:r>
+            <a:endParaRPr lang="en-US" dirty="0"/>
+          </a:p>
+        </p:txBody>
+      </p:sp>
+    </p:spTree>
+    <p:extLst>
+      <p:ext uri="{BB962C8B-B14F-4D97-AF65-F5344CB8AC3E}">
+        <p14:creationId xmlns:p14="http://schemas.microsoft.com/office/powerpoint/2010/main" val="3618326941"/>
+      </p:ext>
+    </p:extLst>
+  </p:cSld>
+  <p:clrMapOvr>
+    <a:masterClrMapping/>
+  </p:clrMapOvr>
+</p:sld>
+</file>
+
+<file path=ppt/slides/slide6.xml><?xml version="1.0" encoding="utf-8"?>
+<p:sld xmlns:a="http://schemas.openxmlformats.org/drawingml/2006/main" xmlns:r="http://schemas.openxmlformats.org/officeDocument/2006/relationships" xmlns:p="http://schemas.openxmlformats.org/presentationml/2006/main">
+  <p:cSld>
+    <p:spTree>
+      <p:nvGrpSpPr>
+        <p:cNvPr id="1" name=""/>
+        <p:cNvGrpSpPr/>
+        <p:nvPr/>
+      </p:nvGrpSpPr>
+      <p:grpSpPr>
+        <a:xfrm>
+          <a:off x="0" y="0"/>
+          <a:ext cx="0" cy="0"/>
+          <a:chOff x="0" y="0"/>
+          <a:chExt cx="0" cy="0"/>
+        </a:xfrm>
+      </p:grpSpPr>
+      <p:sp>
+        <p:nvSpPr>
+          <p:cNvPr id="2" name="Title 1">
+            <a:extLst>
+              <a:ext uri="{FF2B5EF4-FFF2-40B4-BE49-F238E27FC236}">
                 <a16:creationId xmlns:a16="http://schemas.microsoft.com/office/drawing/2014/main" id="{6CE4E613-72FC-D541-8EBE-68D0F27FBEF2}"/>
               </a:ext>
             </a:extLst>
@@ -3918,6 +4026,191 @@
     <p:extLst>
       <p:ext uri="{BB962C8B-B14F-4D97-AF65-F5344CB8AC3E}">
         <p14:creationId xmlns:p14="http://schemas.microsoft.com/office/powerpoint/2010/main" val="236480188"/>
+      </p:ext>
+    </p:extLst>
+  </p:cSld>
+  <p:clrMapOvr>
+    <a:masterClrMapping/>
+  </p:clrMapOvr>
+</p:sld>
+</file>
+
+<file path=ppt/slides/slide7.xml><?xml version="1.0" encoding="utf-8"?>
+<p:sld xmlns:a="http://schemas.openxmlformats.org/drawingml/2006/main" xmlns:r="http://schemas.openxmlformats.org/officeDocument/2006/relationships" xmlns:p="http://schemas.openxmlformats.org/presentationml/2006/main">
+  <p:cSld>
+    <p:spTree>
+      <p:nvGrpSpPr>
+        <p:cNvPr id="1" name=""/>
+        <p:cNvGrpSpPr/>
+        <p:nvPr/>
+      </p:nvGrpSpPr>
+      <p:grpSpPr>
+        <a:xfrm>
+          <a:off x="0" y="0"/>
+          <a:ext cx="0" cy="0"/>
+          <a:chOff x="0" y="0"/>
+          <a:chExt cx="0" cy="0"/>
+        </a:xfrm>
+      </p:grpSpPr>
+      <p:sp>
+        <p:nvSpPr>
+          <p:cNvPr id="2" name="Title 1">
+            <a:extLst>
+              <a:ext uri="{FF2B5EF4-FFF2-40B4-BE49-F238E27FC236}">
+                <a16:creationId xmlns:a16="http://schemas.microsoft.com/office/drawing/2014/main" id="{75A1FF50-EC58-AC4E-AE96-F771CF256C66}"/>
+              </a:ext>
+            </a:extLst>
+          </p:cNvPr>
+          <p:cNvSpPr>
+            <a:spLocks noGrp="1"/>
+          </p:cNvSpPr>
+          <p:nvPr>
+            <p:ph type="title"/>
+          </p:nvPr>
+        </p:nvSpPr>
+        <p:spPr/>
+        <p:txBody>
+          <a:bodyPr/>
+          <a:lstStyle/>
+          <a:p>
+            <a:r>
+              <a:rPr lang="en-US" dirty="0"/>
+              <a:t>False Negatives</a:t>
+            </a:r>
+          </a:p>
+        </p:txBody>
+      </p:sp>
+      <p:sp>
+        <p:nvSpPr>
+          <p:cNvPr id="3" name="Content Placeholder 2">
+            <a:extLst>
+              <a:ext uri="{FF2B5EF4-FFF2-40B4-BE49-F238E27FC236}">
+                <a16:creationId xmlns:a16="http://schemas.microsoft.com/office/drawing/2014/main" id="{54617620-1758-EE4D-9A1D-CC0BC9E9D565}"/>
+              </a:ext>
+            </a:extLst>
+          </p:cNvPr>
+          <p:cNvSpPr>
+            <a:spLocks noGrp="1"/>
+          </p:cNvSpPr>
+          <p:nvPr>
+            <p:ph idx="1"/>
+          </p:nvPr>
+        </p:nvSpPr>
+        <p:spPr/>
+        <p:txBody>
+          <a:bodyPr/>
+          <a:lstStyle/>
+          <a:p>
+            <a:r>
+              <a:rPr lang="en-US" dirty="0"/>
+              <a:t>Naïve Bayes</a:t>
+            </a:r>
+          </a:p>
+          <a:p>
+            <a:r>
+              <a:rPr lang="en-US" dirty="0"/>
+              <a:t>RF – cannot pickle</a:t>
+            </a:r>
+          </a:p>
+          <a:p>
+            <a:r>
+              <a:rPr lang="en-US" dirty="0" err="1"/>
+              <a:t>Kmeans</a:t>
+            </a:r>
+            <a:endParaRPr lang="en-US" dirty="0"/>
+          </a:p>
+        </p:txBody>
+      </p:sp>
+    </p:spTree>
+    <p:extLst>
+      <p:ext uri="{BB962C8B-B14F-4D97-AF65-F5344CB8AC3E}">
+        <p14:creationId xmlns:p14="http://schemas.microsoft.com/office/powerpoint/2010/main" val="2888886079"/>
+      </p:ext>
+    </p:extLst>
+  </p:cSld>
+  <p:clrMapOvr>
+    <a:masterClrMapping/>
+  </p:clrMapOvr>
+</p:sld>
+</file>
+
+<file path=ppt/slides/slide8.xml><?xml version="1.0" encoding="utf-8"?>
+<p:sld xmlns:a="http://schemas.openxmlformats.org/drawingml/2006/main" xmlns:r="http://schemas.openxmlformats.org/officeDocument/2006/relationships" xmlns:p="http://schemas.openxmlformats.org/presentationml/2006/main">
+  <p:cSld>
+    <p:spTree>
+      <p:nvGrpSpPr>
+        <p:cNvPr id="1" name=""/>
+        <p:cNvGrpSpPr/>
+        <p:nvPr/>
+      </p:nvGrpSpPr>
+      <p:grpSpPr>
+        <a:xfrm>
+          <a:off x="0" y="0"/>
+          <a:ext cx="0" cy="0"/>
+          <a:chOff x="0" y="0"/>
+          <a:chExt cx="0" cy="0"/>
+        </a:xfrm>
+      </p:grpSpPr>
+      <p:sp>
+        <p:nvSpPr>
+          <p:cNvPr id="2" name="Title 1">
+            <a:extLst>
+              <a:ext uri="{FF2B5EF4-FFF2-40B4-BE49-F238E27FC236}">
+                <a16:creationId xmlns:a16="http://schemas.microsoft.com/office/drawing/2014/main" id="{75A1FF50-EC58-AC4E-AE96-F771CF256C66}"/>
+              </a:ext>
+            </a:extLst>
+          </p:cNvPr>
+          <p:cNvSpPr>
+            <a:spLocks noGrp="1"/>
+          </p:cNvSpPr>
+          <p:nvPr>
+            <p:ph type="title"/>
+          </p:nvPr>
+        </p:nvSpPr>
+        <p:spPr/>
+        <p:txBody>
+          <a:bodyPr/>
+          <a:lstStyle/>
+          <a:p>
+            <a:r>
+              <a:rPr lang="en-US" dirty="0"/>
+              <a:t>False Positive</a:t>
+            </a:r>
+          </a:p>
+        </p:txBody>
+      </p:sp>
+      <p:sp>
+        <p:nvSpPr>
+          <p:cNvPr id="3" name="Content Placeholder 2">
+            <a:extLst>
+              <a:ext uri="{FF2B5EF4-FFF2-40B4-BE49-F238E27FC236}">
+                <a16:creationId xmlns:a16="http://schemas.microsoft.com/office/drawing/2014/main" id="{54617620-1758-EE4D-9A1D-CC0BC9E9D565}"/>
+              </a:ext>
+            </a:extLst>
+          </p:cNvPr>
+          <p:cNvSpPr>
+            <a:spLocks noGrp="1"/>
+          </p:cNvSpPr>
+          <p:nvPr>
+            <p:ph idx="1"/>
+          </p:nvPr>
+        </p:nvSpPr>
+        <p:spPr/>
+        <p:txBody>
+          <a:bodyPr/>
+          <a:lstStyle/>
+          <a:p>
+            <a:pPr marL="0" indent="0">
+              <a:buNone/>
+            </a:pPr>
+            <a:endParaRPr lang="en-US" dirty="0"/>
+          </a:p>
+        </p:txBody>
+      </p:sp>
+    </p:spTree>
+    <p:extLst>
+      <p:ext uri="{BB962C8B-B14F-4D97-AF65-F5344CB8AC3E}">
+        <p14:creationId xmlns:p14="http://schemas.microsoft.com/office/powerpoint/2010/main" val="2514263579"/>
       </p:ext>
     </p:extLst>
   </p:cSld>
